--- a/CCC_Senior/Week4/Week4.pptx
+++ b/CCC_Senior/Week4/Week4.pptx
@@ -314,7 +314,7 @@
           <a:p>
             <a:fld id="{02AC24A9-CCB6-4F8D-B8DB-C2F3692CFA5A}" type="datetimeFigureOut">
               <a:rPr lang="en-US" smtClean="0"/>
-              <a:t>7/23/22</a:t>
+              <a:t>7/24/22</a:t>
             </a:fld>
             <a:endParaRPr lang="en-US" dirty="0"/>
           </a:p>
@@ -684,7 +684,7 @@
           <a:p>
             <a:fld id="{02AC24A9-CCB6-4F8D-B8DB-C2F3692CFA5A}" type="datetimeFigureOut">
               <a:rPr lang="en-US" smtClean="0"/>
-              <a:t>7/23/22</a:t>
+              <a:t>7/24/22</a:t>
             </a:fld>
             <a:endParaRPr lang="en-US"/>
           </a:p>
@@ -893,7 +893,7 @@
           <a:p>
             <a:fld id="{02AC24A9-CCB6-4F8D-B8DB-C2F3692CFA5A}" type="datetimeFigureOut">
               <a:rPr lang="en-US" smtClean="0"/>
-              <a:t>7/23/22</a:t>
+              <a:t>7/24/22</a:t>
             </a:fld>
             <a:endParaRPr lang="en-US"/>
           </a:p>
@@ -1363,7 +1363,7 @@
           <a:p>
             <a:fld id="{02AC24A9-CCB6-4F8D-B8DB-C2F3692CFA5A}" type="datetimeFigureOut">
               <a:rPr lang="en-US" smtClean="0"/>
-              <a:t>7/23/22</a:t>
+              <a:t>7/24/22</a:t>
             </a:fld>
             <a:endParaRPr lang="en-US"/>
           </a:p>
@@ -1817,7 +1817,7 @@
           <a:p>
             <a:fld id="{02AC24A9-CCB6-4F8D-B8DB-C2F3692CFA5A}" type="datetimeFigureOut">
               <a:rPr lang="en-US" smtClean="0"/>
-              <a:t>7/23/22</a:t>
+              <a:t>7/24/22</a:t>
             </a:fld>
             <a:endParaRPr lang="en-US"/>
           </a:p>
@@ -2349,7 +2349,7 @@
           <a:p>
             <a:fld id="{02AC24A9-CCB6-4F8D-B8DB-C2F3692CFA5A}" type="datetimeFigureOut">
               <a:rPr lang="en-US" smtClean="0"/>
-              <a:t>7/23/22</a:t>
+              <a:t>7/24/22</a:t>
             </a:fld>
             <a:endParaRPr lang="en-US"/>
           </a:p>
@@ -3048,7 +3048,7 @@
           <a:p>
             <a:fld id="{02AC24A9-CCB6-4F8D-B8DB-C2F3692CFA5A}" type="datetimeFigureOut">
               <a:rPr lang="en-US" smtClean="0"/>
-              <a:t>7/23/22</a:t>
+              <a:t>7/24/22</a:t>
             </a:fld>
             <a:endParaRPr lang="en-US"/>
           </a:p>
@@ -3377,7 +3377,7 @@
           <a:p>
             <a:fld id="{02AC24A9-CCB6-4F8D-B8DB-C2F3692CFA5A}" type="datetimeFigureOut">
               <a:rPr lang="en-US" smtClean="0"/>
-              <a:t>7/23/22</a:t>
+              <a:t>7/24/22</a:t>
             </a:fld>
             <a:endParaRPr lang="en-US"/>
           </a:p>
@@ -3490,7 +3490,7 @@
           <a:p>
             <a:fld id="{02AC24A9-CCB6-4F8D-B8DB-C2F3692CFA5A}" type="datetimeFigureOut">
               <a:rPr lang="en-US" smtClean="0"/>
-              <a:t>7/23/22</a:t>
+              <a:t>7/24/22</a:t>
             </a:fld>
             <a:endParaRPr lang="en-US"/>
           </a:p>
@@ -3985,7 +3985,7 @@
           <a:p>
             <a:fld id="{02AC24A9-CCB6-4F8D-B8DB-C2F3692CFA5A}" type="datetimeFigureOut">
               <a:rPr lang="en-US" smtClean="0"/>
-              <a:t>7/23/22</a:t>
+              <a:t>7/24/22</a:t>
             </a:fld>
             <a:endParaRPr lang="en-US" dirty="0"/>
           </a:p>
@@ -4462,7 +4462,7 @@
           <a:p>
             <a:fld id="{02AC24A9-CCB6-4F8D-B8DB-C2F3692CFA5A}" type="datetimeFigureOut">
               <a:rPr lang="en-US" smtClean="0"/>
-              <a:t>7/23/22</a:t>
+              <a:t>7/24/22</a:t>
             </a:fld>
             <a:endParaRPr lang="en-US"/>
           </a:p>
@@ -4705,7 +4705,7 @@
           <a:p>
             <a:fld id="{02AC24A9-CCB6-4F8D-B8DB-C2F3692CFA5A}" type="datetimeFigureOut">
               <a:rPr lang="en-US" smtClean="0"/>
-              <a:t>7/23/22</a:t>
+              <a:t>7/24/22</a:t>
             </a:fld>
             <a:endParaRPr lang="en-US"/>
           </a:p>
@@ -8055,7 +8055,7 @@
             </a:pPr>
             <a:r>
               <a:rPr lang="en-US" sz="2800" dirty="0"/>
-              <a:t>-1	-1	-1</a:t>
+              <a:t>0	1	2</a:t>
             </a:r>
           </a:p>
         </p:txBody>
@@ -10248,7 +10248,15 @@
             </a:pPr>
             <a:r>
               <a:rPr lang="en-US" sz="2800" dirty="0"/>
-              <a:t>Sort all edges from low eight to high</a:t>
+              <a:t>Sort all edges from </a:t>
+            </a:r>
+            <a:r>
+              <a:rPr lang="en-US" sz="2800"/>
+              <a:t>low weight </a:t>
+            </a:r>
+            <a:r>
+              <a:rPr lang="en-US" sz="2800" dirty="0"/>
+              <a:t>to high</a:t>
             </a:r>
           </a:p>
           <a:p>

--- a/CCC_Senior/Week4/Week4.pptx
+++ b/CCC_Senior/Week4/Week4.pptx
@@ -314,7 +314,7 @@
           <a:p>
             <a:fld id="{02AC24A9-CCB6-4F8D-B8DB-C2F3692CFA5A}" type="datetimeFigureOut">
               <a:rPr lang="en-US" smtClean="0"/>
-              <a:t>7/24/22</a:t>
+              <a:t>8/2/22</a:t>
             </a:fld>
             <a:endParaRPr lang="en-US" dirty="0"/>
           </a:p>
@@ -684,7 +684,7 @@
           <a:p>
             <a:fld id="{02AC24A9-CCB6-4F8D-B8DB-C2F3692CFA5A}" type="datetimeFigureOut">
               <a:rPr lang="en-US" smtClean="0"/>
-              <a:t>7/24/22</a:t>
+              <a:t>8/2/22</a:t>
             </a:fld>
             <a:endParaRPr lang="en-US"/>
           </a:p>
@@ -893,7 +893,7 @@
           <a:p>
             <a:fld id="{02AC24A9-CCB6-4F8D-B8DB-C2F3692CFA5A}" type="datetimeFigureOut">
               <a:rPr lang="en-US" smtClean="0"/>
-              <a:t>7/24/22</a:t>
+              <a:t>8/2/22</a:t>
             </a:fld>
             <a:endParaRPr lang="en-US"/>
           </a:p>
@@ -1363,7 +1363,7 @@
           <a:p>
             <a:fld id="{02AC24A9-CCB6-4F8D-B8DB-C2F3692CFA5A}" type="datetimeFigureOut">
               <a:rPr lang="en-US" smtClean="0"/>
-              <a:t>7/24/22</a:t>
+              <a:t>8/2/22</a:t>
             </a:fld>
             <a:endParaRPr lang="en-US"/>
           </a:p>
@@ -1817,7 +1817,7 @@
           <a:p>
             <a:fld id="{02AC24A9-CCB6-4F8D-B8DB-C2F3692CFA5A}" type="datetimeFigureOut">
               <a:rPr lang="en-US" smtClean="0"/>
-              <a:t>7/24/22</a:t>
+              <a:t>8/2/22</a:t>
             </a:fld>
             <a:endParaRPr lang="en-US"/>
           </a:p>
@@ -2349,7 +2349,7 @@
           <a:p>
             <a:fld id="{02AC24A9-CCB6-4F8D-B8DB-C2F3692CFA5A}" type="datetimeFigureOut">
               <a:rPr lang="en-US" smtClean="0"/>
-              <a:t>7/24/22</a:t>
+              <a:t>8/2/22</a:t>
             </a:fld>
             <a:endParaRPr lang="en-US"/>
           </a:p>
@@ -3048,7 +3048,7 @@
           <a:p>
             <a:fld id="{02AC24A9-CCB6-4F8D-B8DB-C2F3692CFA5A}" type="datetimeFigureOut">
               <a:rPr lang="en-US" smtClean="0"/>
-              <a:t>7/24/22</a:t>
+              <a:t>8/2/22</a:t>
             </a:fld>
             <a:endParaRPr lang="en-US"/>
           </a:p>
@@ -3377,7 +3377,7 @@
           <a:p>
             <a:fld id="{02AC24A9-CCB6-4F8D-B8DB-C2F3692CFA5A}" type="datetimeFigureOut">
               <a:rPr lang="en-US" smtClean="0"/>
-              <a:t>7/24/22</a:t>
+              <a:t>8/2/22</a:t>
             </a:fld>
             <a:endParaRPr lang="en-US"/>
           </a:p>
@@ -3490,7 +3490,7 @@
           <a:p>
             <a:fld id="{02AC24A9-CCB6-4F8D-B8DB-C2F3692CFA5A}" type="datetimeFigureOut">
               <a:rPr lang="en-US" smtClean="0"/>
-              <a:t>7/24/22</a:t>
+              <a:t>8/2/22</a:t>
             </a:fld>
             <a:endParaRPr lang="en-US"/>
           </a:p>
@@ -3985,7 +3985,7 @@
           <a:p>
             <a:fld id="{02AC24A9-CCB6-4F8D-B8DB-C2F3692CFA5A}" type="datetimeFigureOut">
               <a:rPr lang="en-US" smtClean="0"/>
-              <a:t>7/24/22</a:t>
+              <a:t>8/2/22</a:t>
             </a:fld>
             <a:endParaRPr lang="en-US" dirty="0"/>
           </a:p>
@@ -4462,7 +4462,7 @@
           <a:p>
             <a:fld id="{02AC24A9-CCB6-4F8D-B8DB-C2F3692CFA5A}" type="datetimeFigureOut">
               <a:rPr lang="en-US" smtClean="0"/>
-              <a:t>7/24/22</a:t>
+              <a:t>8/2/22</a:t>
             </a:fld>
             <a:endParaRPr lang="en-US"/>
           </a:p>
@@ -4705,7 +4705,7 @@
           <a:p>
             <a:fld id="{02AC24A9-CCB6-4F8D-B8DB-C2F3692CFA5A}" type="datetimeFigureOut">
               <a:rPr lang="en-US" smtClean="0"/>
-              <a:t>7/24/22</a:t>
+              <a:t>8/2/22</a:t>
             </a:fld>
             <a:endParaRPr lang="en-US"/>
           </a:p>
@@ -11061,7 +11061,7 @@
           <a:p>
             <a:r>
               <a:rPr lang="en-US" dirty="0"/>
-              <a:t>Time Complexity</a:t>
+              <a:t>Note</a:t>
             </a:r>
           </a:p>
         </p:txBody>
@@ -11082,18 +11082,59 @@
             <p:ph idx="1"/>
           </p:nvPr>
         </p:nvSpPr>
-        <p:spPr/>
+        <p:spPr>
+          <a:xfrm>
+            <a:off x="1115568" y="2478024"/>
+            <a:ext cx="4980432" cy="3694176"/>
+          </a:xfrm>
+        </p:spPr>
         <p:txBody>
           <a:bodyPr/>
           <a:lstStyle/>
           <a:p>
             <a:r>
               <a:rPr lang="en-US" dirty="0"/>
-              <a:t>O(E log E)</a:t>
-            </a:r>
-          </a:p>
-        </p:txBody>
-      </p:sp>
+              <a:t>Time complexity: O(E log E)</a:t>
+            </a:r>
+          </a:p>
+          <a:p>
+            <a:r>
+              <a:rPr lang="en-US" dirty="0"/>
+              <a:t>Kruskal’s algorithm does not work with directed graph</a:t>
+            </a:r>
+          </a:p>
+        </p:txBody>
+      </p:sp>
+      <p:pic>
+        <p:nvPicPr>
+          <p:cNvPr id="4" name="Picture 3">
+            <a:extLst>
+              <a:ext uri="{FF2B5EF4-FFF2-40B4-BE49-F238E27FC236}">
+                <a16:creationId xmlns:a16="http://schemas.microsoft.com/office/drawing/2014/main" id="{01C0039E-6BED-D44C-959F-0F3381F0766F}"/>
+              </a:ext>
+            </a:extLst>
+          </p:cNvPr>
+          <p:cNvPicPr>
+            <a:picLocks noChangeAspect="1"/>
+          </p:cNvPicPr>
+          <p:nvPr/>
+        </p:nvPicPr>
+        <p:blipFill>
+          <a:blip r:embed="rId2"/>
+          <a:stretch>
+            <a:fillRect/>
+          </a:stretch>
+        </p:blipFill>
+        <p:spPr>
+          <a:xfrm>
+            <a:off x="7456982" y="2478024"/>
+            <a:ext cx="2566875" cy="3447665"/>
+          </a:xfrm>
+          <a:prstGeom prst="rect">
+            <a:avLst/>
+          </a:prstGeom>
+        </p:spPr>
+      </p:pic>
     </p:spTree>
     <p:extLst>
       <p:ext uri="{BB962C8B-B14F-4D97-AF65-F5344CB8AC3E}">

--- a/CCC_Senior/Week4/Week4.pptx
+++ b/CCC_Senior/Week4/Week4.pptx
@@ -158,6 +158,168 @@
 </p:presentation>
 </file>
 
+<file path=ppt/ink/ink1.xml><?xml version="1.0" encoding="utf-8"?>
+<inkml:ink xmlns:inkml="http://www.w3.org/2003/InkML">
+  <inkml:definitions>
+    <inkml:context xml:id="ctx0">
+      <inkml:inkSource xml:id="inkSrc0">
+        <inkml:traceFormat>
+          <inkml:channel name="X" type="integer" min="-2.14748E9" max="2.14748E9" units="cm"/>
+          <inkml:channel name="Y" type="integer" min="-2.14748E9" max="2.14748E9" units="cm"/>
+          <inkml:channel name="F" type="integer" max="32767" units="dev"/>
+        </inkml:traceFormat>
+        <inkml:channelProperties>
+          <inkml:channelProperty channel="X" name="resolution" value="1000" units="1/cm"/>
+          <inkml:channelProperty channel="Y" name="resolution" value="1000" units="1/cm"/>
+          <inkml:channelProperty channel="F" name="resolution" value="0" units="1/dev"/>
+        </inkml:channelProperties>
+      </inkml:inkSource>
+      <inkml:timestamp xml:id="ts0" timeString="2022-09-13T21:31:43.735"/>
+    </inkml:context>
+    <inkml:brush xml:id="br0">
+      <inkml:brushProperty name="width" value="0.05292" units="cm"/>
+      <inkml:brushProperty name="height" value="0.05292" units="cm"/>
+      <inkml:brushProperty name="color" value="#FF0000"/>
+    </inkml:brush>
+  </inkml:definitions>
+  <inkml:trace contextRef="#ctx0" brushRef="#br0">1497 7673 8191,'0'4'0,"0"-5"5063,0 10-5063,0-6 2818,0 3-2818,0 2 1719,0 3-1719,3 1 6784,3 7-6784,4-5 0,3 8 0,4-5 0,2 0 0,3-1 0,-3-4 0,-4-5 0,-2-3 0,3-4 0,2 0 0,0 0 0,4 0 0,-8 0 0,2-5 0,0-5 0,1-6 0,3-4 0,-3 2 0,-2 3 0,-5 2 0,-4 1 0,-4-1 0,-2 1 0,-1-1 0,-10 0 0,-5 1 0,-10 2 0,-4 3 0,0 2 0,-4 3 0,0 1 0,-2 1 0,4 0 0,0 0 0,11 5 0,2-1 0,9 5 0,4-6 0,4 0 0</inkml:trace>
+  <inkml:trace contextRef="#ctx0" brushRef="#br0" timeOffset="1386">3892 7558 24575,'0'9'0,"0"9"0,0-2 0,0 10 0,0-5 0,6 2 0,6-5 0,6 1 0,8-4 0,3-4 0,11-5 0,2-5 0,12-1 0,-8-5 0,0-4 0,-12-7 0,-6-3 0,-10-1 0,-8-1 0,-4-6 0,-6 1 0,-2-5 0,-12 3 0,-8 4 0,-14 8 0,-8 3 0,-5 11 0,3-2 0,0 4 0,15 2 0,7 2 0,8 3 0,8-2 0,4 0 0,2-4 0</inkml:trace>
+  <inkml:trace contextRef="#ctx0" brushRef="#br0" timeOffset="2634">6036 7534 24575,'0'17'0,"0"-4"0,0 0 0,4-6 0,3-4 0,17-1 0,8-1 0,13-1 0,-4 0 0,9-4 0,-12-3 0,6-5 0,-15-2 0,-3-2 0,-9 1 0,-2-8 0,-8 1 0,-2-6 0,-5 0 0,-10 3 0,-5 4 0,-11 6 0,-5 4 0,-6 6 0,-1 1 0,-2 4 0,4 1 0,3 5 0,9 1 0,5 6 0,13-6 0,1-2 0</inkml:trace>
+  <inkml:trace contextRef="#ctx0" brushRef="#br0" timeOffset="4017">8325 7443 8191,'-3'3'0,"0"6"5063,3-2-5063,0 11 2818,1-10-2818,12 7 1719,4-7-1719,15 5 6784,4-2-6784,4-2 0,1-2 0,3-5 0,-8 0 0,-2-2 0,-7 0 0,-4 0 0,-5-5 0,-3-2 0,-2-5 0,-6-4 0,1 0 0,-7-2 0,1-1 0,-3 1 0,-10-1 0,-9 0 0,-16 0 0,-11 5 0,-6 3 0,-4 7 0,2 3 0,11 1 0,9 0 0,16 0 0,9 0 0,7 0 0,3 0 0</inkml:trace>
+</inkml:ink>
+</file>
+
+<file path=ppt/ink/ink2.xml><?xml version="1.0" encoding="utf-8"?>
+<inkml:ink xmlns:inkml="http://www.w3.org/2003/InkML">
+  <inkml:definitions>
+    <inkml:context xml:id="ctx0">
+      <inkml:inkSource xml:id="inkSrc0">
+        <inkml:traceFormat>
+          <inkml:channel name="X" type="integer" min="-2.14748E9" max="2.14748E9" units="cm"/>
+          <inkml:channel name="Y" type="integer" min="-2.14748E9" max="2.14748E9" units="cm"/>
+          <inkml:channel name="F" type="integer" max="32767" units="dev"/>
+        </inkml:traceFormat>
+        <inkml:channelProperties>
+          <inkml:channelProperty channel="X" name="resolution" value="1000" units="1/cm"/>
+          <inkml:channelProperty channel="Y" name="resolution" value="1000" units="1/cm"/>
+          <inkml:channelProperty channel="F" name="resolution" value="0" units="1/dev"/>
+        </inkml:channelProperties>
+      </inkml:inkSource>
+      <inkml:timestamp xml:id="ts0" timeString="2022-09-13T21:29:43.751"/>
+    </inkml:context>
+    <inkml:brush xml:id="br0">
+      <inkml:brushProperty name="width" value="0.05292" units="cm"/>
+      <inkml:brushProperty name="height" value="0.05292" units="cm"/>
+      <inkml:brushProperty name="color" value="#FF0000"/>
+    </inkml:brush>
+  </inkml:definitions>
+  <inkml:trace contextRef="#ctx0" brushRef="#br0">25272 14238 24575,'0'7'0,"0"6"0,0 4 0,0 5 0,0 9 0,0-6 0,0 3 0,0-6 0,0 0 0,0-4 0,0 0 0,0-3 0,0 1 0,0-3 0,0 3 0,3-3 0,-3 3 0,3-4 0,0-3 0,-1-3 0,4-5 0,4-10 0,14-8 0,6-8 0,13-5 0,-5 4 0,2 1 0,-7 4 0,-1 3 0,-9 4 0,-2 4 0,-7 5 0,-7 1 0,-3 2 0</inkml:trace>
+  <inkml:trace contextRef="#ctx0" brushRef="#br0" timeOffset="1617">27485 11412 24575,'0'18'0,"0"7"0,0 3 0,0 10 0,0-2 0,0 5 0,0-8 0,0-4 0,0-13 0,0-4 0,0-7 0,5-3 0,4-7 0,14-6 0,7-9 0,11-7 0,2-3 0,0 3 0,-2 2 0,-10 6 0,-3 7 0,-11 2 0,-4 7 0,-6-1 0,-4 2 0,-3 1 0</inkml:trace>
+  <inkml:trace contextRef="#ctx0" brushRef="#br0" timeOffset="3635">28989 8399 24575,'0'5'0,"0"10"0,0 16 0,0 3 0,0 5 0,0-10 0,0 2 0,0-6 0,0-6 0,2-9 0,0-5 0,4-5 0,1 0 0,14-6 0,17-6 0,21-10 0,-25 11 0,1-1 0,1-1 0,0 1 0,-3 2 0,-2 1 0,23-8 0,-11 5 0,-15 3 0,-8 4 0,-9 3 0,-4-1 0,-4 3 0</inkml:trace>
+  <inkml:trace contextRef="#ctx0" brushRef="#br0" timeOffset="45383">18341 14578 8191,'11'0'0,"1"0"5063,14 0-5063,-2 0 2818,-1 0-2818,-2 4 1719,2 2-1719,-3 5 6784,-4 1-6784,-1 4 0,-2-2 0,-2 1 0,-4-2 0,-3-1 0,-4 3 0,-4 1 0,-10 3 0,-9 3 0,-18 3 0,-1-1 0,-7-1 0,15-5 0,3-10 0,17-2 0,7-6 0,7 0 0,16 4 0,8 4 0,15 5 0,2 4 0,-1 2 0,-9 1 0,-7 1 0,-6 2 0,-5-1 0,-5 1 0,1-3 0,-8 1 0,1-2 0,-6 6 0,-12 3 0,-12 1 0,-16 0 0,-5-7 0,-4-3 0,5-4 0,7-2 0,11-5 0,14-4 0,10-4 0</inkml:trace>
+  <inkml:trace contextRef="#ctx0" brushRef="#br0" timeOffset="46100">19344 15048 24575,'0'24'0,"-3"14"0,-6 9 0,-6 11 0,1-5 0,0-11 0,11-14 0,-1-14 0,4-13 0,0 1 0</inkml:trace>
+  <inkml:trace contextRef="#ctx0" brushRef="#br0" timeOffset="47101">19992 14502 8191,'-7'4'0,"1"-1"5063,6 15-5063,0 3 2818,0 14-2818,0 8 1719,0 6-1719,0 6 6784,0 3-6784,0-2 0,0-10 0,0-10 0,0-17 0,0-6 0,6-10 0,5 0 0,28 1 0,18 1 0,-18-3 0,2 1 0,6-1 0,1-1 0,-3-1 0,0 0 0,2 0 0,-1 0 0,-9 0 0,-2 0 0,24-5 0,-24 3 0,-17-3 0,-9 4 0</inkml:trace>
+  <inkml:trace contextRef="#ctx0" brushRef="#br0" timeOffset="47818">20384 14733 10641,'0'3'0,"0"1"5032,0 27-5032,0 4 2425,0 22-2425,0-5 1396,0-3-1396,0-11 5081,0 1-5081,0 0 0,0 6 0,0-2 0,0-13 0,0-12 0,0-12 0</inkml:trace>
+  <inkml:trace contextRef="#ctx0" brushRef="#br0" timeOffset="48701">20835 14751 11730,'0'-5'0,"0"20"4869,0 1-4869,0 19 2235,0-1-2235,0 9 1264,0 8-1264,0-18 0,0 2 2238,-1 1 1,-1 0-2239,0-1 0,0 0 0,-9 30 0,0-17 0,-5-3 0,-1-8 0,-1-7 0,-7 1 0,12-19 0,-1 1 0</inkml:trace>
+  <inkml:trace contextRef="#ctx0" brushRef="#br0" timeOffset="49818">18004 14829 8191,'-4'4'0,"2"13"5063,2 21-5063,0 10 1409,0-13 0,0 0-1409,0 26 1719,0 5-1719,0-10 6784,0-5-6784,0-6 0,0 1 0,2-6 0,7-2 0,7-9 0,8-1 0,10-5 0,0 4 0,6-7-1696,-7 0 0,-14-11 0,-7-4 0</inkml:trace>
+  <inkml:trace contextRef="#ctx0" brushRef="#br0" timeOffset="53484">30613 5352 8191,'0'8'0,"0"-1"5063,0 12-5063,0 1 2818,0 0-2818,0 10 1719,-10 3-1719,-2 7 6784,-6-3-6784,0-4 0,7-3 0,0-9 0,2 3 0,0 0 0,-1 0 0,-1 0 0,-3 1 0,4-2 0,0-1 0,2-2 0,2-4 0,1-2 0,0-2 0,4-2 0,-2 0 0,0-5 0,3 2 0,-4-1 0,2 2 0,-3 3 0,1-3 0,1 3 0,0-7 0,3 3 0,-2-6 0,1 3 0,-1-3 0,1 2 0</inkml:trace>
+  <inkml:trace contextRef="#ctx0" brushRef="#br0" timeOffset="54769">30144 5891 24575,'0'14'0,"0"3"0,0 13 0,0-2 0,0 10 0,0-5 0,0 5 0,0-3 0,3-4 0,0-4 0,1-4 0,-2-5 0,-1-5 0,2-7 0,-2-3 0,4-3 0,-3 0 0,1 0 0,2 0 0,4 0 0,12-8 0,22-11 0,13-11 0,-18 10 0,2-1 0,-3-1 0,0 1 0,-3 3 0,-1 0 0,18-10 0,-20 12 0,-11 6 0,-10 6 0,-4-1 0,-3 4 0,-3-1 0</inkml:trace>
+  <inkml:trace contextRef="#ctx0" brushRef="#br0" timeOffset="55901">30873 4724 24575,'0'20'0,"0"7"0,0 7 0,0 5 0,0 1 0,0 3 0,0 2 0,0-3 0,0-9 0,0-9 0,0-11 0,2-7 0,2-1 0,6-4 0,8 1 0,11-2 0,28 0 0,-23 1 0,2-2 0,10-3 0,1-2 0,-1 1 0,-1-1 0,-4-3 0,-2 0 0,21 0 0,-24 5 0,-15 1 0,-14 2 0,-1-2 0</inkml:trace>
+  <inkml:trace contextRef="#ctx0" brushRef="#br0" timeOffset="56700">31179 4777 24575,'0'25'0,"0"-1"0,0 27 0,0-13 0,0 6 0,0-11 0,0-2 0,0-5 0,0-2 0,0-2 0,0-2 0,0-4 0,0-5 0,0-6 0,0-3 0</inkml:trace>
+</inkml:ink>
+</file>
+
+<file path=ppt/ink/ink3.xml><?xml version="1.0" encoding="utf-8"?>
+<inkml:ink xmlns:inkml="http://www.w3.org/2003/InkML">
+  <inkml:definitions>
+    <inkml:context xml:id="ctx0">
+      <inkml:inkSource xml:id="inkSrc0">
+        <inkml:traceFormat>
+          <inkml:channel name="X" type="integer" min="-2.14748E9" max="2.14748E9" units="cm"/>
+          <inkml:channel name="Y" type="integer" min="-2.14748E9" max="2.14748E9" units="cm"/>
+          <inkml:channel name="F" type="integer" max="32767" units="dev"/>
+        </inkml:traceFormat>
+        <inkml:channelProperties>
+          <inkml:channelProperty channel="X" name="resolution" value="1000" units="1/cm"/>
+          <inkml:channelProperty channel="Y" name="resolution" value="1000" units="1/cm"/>
+          <inkml:channelProperty channel="F" name="resolution" value="0" units="1/dev"/>
+        </inkml:channelProperties>
+      </inkml:inkSource>
+      <inkml:timestamp xml:id="ts0" timeString="2022-09-07T22:55:41.318"/>
+    </inkml:context>
+    <inkml:brush xml:id="br0">
+      <inkml:brushProperty name="width" value="0.05292" units="cm"/>
+      <inkml:brushProperty name="height" value="0.05292" units="cm"/>
+      <inkml:brushProperty name="color" value="#FF0000"/>
+    </inkml:brush>
+  </inkml:definitions>
+  <inkml:trace contextRef="#ctx0" brushRef="#br0">4871 5356 8191,'-3'2'0,"0"13"5063,3 7-5063,0 10 2818,0 0-2818,0-3 1719,0-5-1719,0 0 6784,0-4-6784,0-4 0,0 3 0,4-6 0,3 3 0,3-7 0,3 2 0,-1-5 0,0-1 0,0-2 0,-3-3 0,-1 0 0,-2 0 0,1 0 0,1-2 0,1 0 0,1-5 0,1 2 0,-1-7 0,-1-1 0,-1-1 0,-4-1 0,3 2 0,-6 0 0,2-1 0,-3-6 0,0-3 0,0-5 0,-5 4 0,3 0 0,-6 9 0,5 2 0,-1 6 0,-1 1 0,-1 0 0,-2 4 0,-3-1 0,-4 1 0,-3 0 0,-2-4 0,1 2 0,6-2 0,5 3 0,6 1 0</inkml:trace>
+  <inkml:trace contextRef="#ctx0" brushRef="#br0" timeOffset="1100">4893 1812 8191,'-3'-1'0,"0"9"5063,3 9-5063,0 8 2818,0 6-2818,0-2 1719,0 2-1719,0-6 6784,0-4-6784,0-5 0,0-3 0,3-1 0,-2 0 0,4-3 0,-4-3 0,1-4 0</inkml:trace>
+  <inkml:trace contextRef="#ctx0" brushRef="#br0" timeOffset="2901">8119 3619 24575,'0'-5'0,"8"-3"0,7 0 0,13-4 0,6-1 0,2-1 0,1 2 0,-4 4 0,-1 5 0,-7 2 0,-1 1 0,-5 0 0,-2 0 0,-2 4 0,-6 2 0,-3 4 0,-3 3 0,-3 1 0,0 0 0,-2 4 0,-4 0 0,-6 4 0,-5 0 0,-1 3 0,2-3 0,-1 1 0,0-6 0,0 2 0,4-5 0,1 1 0,5-5 0,1-2 0,1-3 0,3 0 0,-2-2 0,2 2 0,1-3 0,3 0 0,2-2 0,15 0 0,13 0 0,20 0 0,10 4 0,2 0 0,-12 1 0,-10 1 0,-18-5 0,-12 2 0,-6-3 0</inkml:trace>
+</inkml:ink>
+</file>
+
+<file path=ppt/ink/ink4.xml><?xml version="1.0" encoding="utf-8"?>
+<inkml:ink xmlns:inkml="http://www.w3.org/2003/InkML">
+  <inkml:definitions>
+    <inkml:context xml:id="ctx0">
+      <inkml:inkSource xml:id="inkSrc0">
+        <inkml:traceFormat>
+          <inkml:channel name="X" type="integer" min="-2.14748E9" max="2.14748E9" units="cm"/>
+          <inkml:channel name="Y" type="integer" min="-2.14748E9" max="2.14748E9" units="cm"/>
+          <inkml:channel name="F" type="integer" max="32767" units="dev"/>
+        </inkml:traceFormat>
+        <inkml:channelProperties>
+          <inkml:channelProperty channel="X" name="resolution" value="1000" units="1/cm"/>
+          <inkml:channelProperty channel="Y" name="resolution" value="1000" units="1/cm"/>
+          <inkml:channelProperty channel="F" name="resolution" value="0" units="1/dev"/>
+        </inkml:channelProperties>
+      </inkml:inkSource>
+      <inkml:timestamp xml:id="ts0" timeString="2022-09-07T22:56:07.069"/>
+    </inkml:context>
+    <inkml:brush xml:id="br0">
+      <inkml:brushProperty name="width" value="0.05292" units="cm"/>
+      <inkml:brushProperty name="height" value="0.05292" units="cm"/>
+      <inkml:brushProperty name="color" value="#FF0000"/>
+    </inkml:brush>
+  </inkml:definitions>
+  <inkml:trace contextRef="#ctx0" brushRef="#br0">4877 1794 24575,'0'9'0,"0"7"0,0 2 0,0 9 0,0-6 0,0 6 0,0-3 0,6 3 0,1-2 0,6-2 0,0-3 0,0-3 0,0-2 0,2-2 0,0-1 0,4-3 0,-3-3 0,4-1 0,-1-4 0,1 2 0,-2-3 0,0 0 0,-3 0 0,-2 0 0,-1 0 0,-4-4 0,-3 0 0,-5-4 0,0-2 0,0-1 0,0-9 0,0-1 0,0-8 0,0-2 0,0 1 0,-1 2 0,-5 2 0,-3 4 0,-7 0 0,-1 1 0,-2 4 0,-1 0 0,3 4 0,-3 2 0,3 2 0,1 5 0,-3 1 0,4 3 0,-4 0 0,3 0 0,-4 0 0,5 0 0,2 1 0,8-1 0,3 2 0</inkml:trace>
+  <inkml:trace contextRef="#ctx0" brushRef="#br0" timeOffset="2900">4934 5315 8191,'0'-5'0,"0"24"5063,0 4-5063,0 21 2818,0-8-2818,0-1 1719,0-3-1719,0 7 6784,2 0-6784,6 1 0,2-6 0,1 1 0,-1-6 0,-1 2 0,-4-6 0,4-3 0,-8-5 0,1-6 0,-2-7 0,0-5 0,0-20 0,-3-11 0,-6-27 0,0-4 0,-2-2 0,3 9 0,3 11 0,-1 8 0,1 7 0,-1 6 0,0 5 0,2 3 0,-2 6 0,3-2 0,-3 5 0,4 0 0,0 6 0,2 18 0,7 8 0,2 22 0,7 2 0,-1 7 0,1-2 0,-1-3 0,1-5 0,-2-6 0,0-8 0,-2-5 0,-2-9 0,-3-2 0,-1-4 0,-3 0 0,0-5 0,-3-4 0,0-14 0,-4-16 0,0-18 0,-6-15 0,2-6 0,-3 2 0,3 11 0,1 10 0,3 17 0,-3 4 0,3 8 0,1-2 0,0 6 0,0 1 0,2 1 0,-4 1 0,4-2 0,-1 2 0,1 2 0,-1 1 0,-1 0 0,0-1 0,2-1 0,-4 0 0,2-2 0,-3-2 0,0-2 0,0 0 0,-1-2 0,1 4 0,0 0 0,2 2 0,-1 2 0,1 2 0,-1-1 0,3 4 0,0-1 0</inkml:trace>
+</inkml:ink>
+</file>
+
+<file path=ppt/ink/ink5.xml><?xml version="1.0" encoding="utf-8"?>
+<inkml:ink xmlns:inkml="http://www.w3.org/2003/InkML">
+  <inkml:definitions>
+    <inkml:context xml:id="ctx0">
+      <inkml:inkSource xml:id="inkSrc0">
+        <inkml:traceFormat>
+          <inkml:channel name="X" type="integer" min="-2.14748E9" max="2.14748E9" units="cm"/>
+          <inkml:channel name="Y" type="integer" min="-2.14748E9" max="2.14748E9" units="cm"/>
+          <inkml:channel name="F" type="integer" max="32767" units="dev"/>
+        </inkml:traceFormat>
+        <inkml:channelProperties>
+          <inkml:channelProperty channel="X" name="resolution" value="1000" units="1/cm"/>
+          <inkml:channelProperty channel="Y" name="resolution" value="1000" units="1/cm"/>
+          <inkml:channelProperty channel="F" name="resolution" value="0" units="1/dev"/>
+        </inkml:channelProperties>
+      </inkml:inkSource>
+      <inkml:timestamp xml:id="ts0" timeString="2022-09-07T22:56:27.500"/>
+    </inkml:context>
+    <inkml:brush xml:id="br0">
+      <inkml:brushProperty name="width" value="0.05292" units="cm"/>
+      <inkml:brushProperty name="height" value="0.05292" units="cm"/>
+      <inkml:brushProperty name="color" value="#FF0000"/>
+    </inkml:brush>
+  </inkml:definitions>
+  <inkml:trace contextRef="#ctx0" brushRef="#br0">11671 1781 8191,'-9'0'0,"3"0"5063,17 0-5063,5 0 2818,17 0-2818,3 0 1719,3 0-1719,-3 0 6784,-6 0-6784,-8 5 0,-7 1 0,-5 6 0,-6 0 0,-3 1 0,-1 2 0,0 2 0,0 5 0,0 3 0,-6 2 0,-1-3 0,-13-1 0,-1-6 0,-3-1 0,1-5 0,6-6 0,2-2 0,3-3 0,3 0 0,6 0 0,16 0 0,13 0 0,14 4 0,4 3 0,2 2 0,-6 5 0,-4-4 0,-9 1 0,-8-3 0,-3 0 0,-8-1 0,1 0 0,-7 3 0,2-1 0,-2 3 0,0 4 0,-2 0 0,0 1 0,-5 1 0,-13 3 0,-13 9 0,-21 6 0,24-17 0,-1-1 0,-3-1 0,1-2 0,-19 7 0,14-10 0,14-7 0,13-5 0,5 0 0</inkml:trace>
+  <inkml:trace contextRef="#ctx0" brushRef="#br0" timeOffset="1352">15040 3744 24575,'0'17'0,"0"12"0,0 12 0,0 11 0,0 3 0,0-15 0,0-7 0,0-16 0,0-3 0,0-6 0,4-3 0,7-6 0,17-2 0,20-5 0,-15 4 0,2 0 0,5-2 0,0 0 0,-1 2 0,-1 1 0,23-7 0,-17 6 0,-20 0 0,-10 0 0,-8 4 0,-3-1 0</inkml:trace>
+  <inkml:trace contextRef="#ctx0" brushRef="#br0" timeOffset="2152">15166 3737 24575,'0'23'0,"0"9"0,0 15 0,0 9 0,0 0 0,0-6 0,0-15 0,0-3 0,0-10 0,0-4 0,0-5 0,0-6 0,0-2 0,0-4 0</inkml:trace>
+  <inkml:trace contextRef="#ctx0" brushRef="#br0" timeOffset="3752">11637 5339 8191,'-7'3'0,"1"-1"5063,6 9-5063,0-1 2818,0 12-2818,0-1 1719,0 5-1719,0-3 6784,2-2-6784,4-6 0,3-1 0,7-1 0,3-3 0,9-1 0,4-2 0,1-2 0,-5 1 0,-5-3 0,-7 1 0,-1 1 0,-3 0 0,-4-1 0,-2 4 0,-5-1 0,2 3 0,-1 2 0,0 7 0,-2 8 0,-2 14 0,-13 5 0,-5 5 0,-6-10 0,1-12 0,8-10 0,4-12 0,7-2 0,2-5 0</inkml:trace>
+  <inkml:trace contextRef="#ctx0" brushRef="#br0" timeOffset="4636">11668 5351 24575,'15'0'0,"18"0"0,-5 0 0,17 0 0,-14 0 0,-11 0 0,-10 0 0,-6 0 0,0 0 0,-2 0 0,-1 0 0</inkml:trace>
+</inkml:ink>
+</file>
+
 <file path=ppt/slideLayouts/slideLayout1.xml><?xml version="1.0" encoding="utf-8"?>
 <p:sldLayout xmlns:a="http://schemas.openxmlformats.org/drawingml/2006/main" xmlns:r="http://schemas.openxmlformats.org/officeDocument/2006/relationships" xmlns:p="http://schemas.openxmlformats.org/presentationml/2006/main" type="title" preserve="1">
   <p:cSld name="Title Slide">
@@ -314,7 +476,7 @@
           <a:p>
             <a:fld id="{02AC24A9-CCB6-4F8D-B8DB-C2F3692CFA5A}" type="datetimeFigureOut">
               <a:rPr lang="en-US" smtClean="0"/>
-              <a:t>8/2/22</a:t>
+              <a:t>9/13/22</a:t>
             </a:fld>
             <a:endParaRPr lang="en-US" dirty="0"/>
           </a:p>
@@ -684,7 +846,7 @@
           <a:p>
             <a:fld id="{02AC24A9-CCB6-4F8D-B8DB-C2F3692CFA5A}" type="datetimeFigureOut">
               <a:rPr lang="en-US" smtClean="0"/>
-              <a:t>8/2/22</a:t>
+              <a:t>9/13/22</a:t>
             </a:fld>
             <a:endParaRPr lang="en-US"/>
           </a:p>
@@ -893,7 +1055,7 @@
           <a:p>
             <a:fld id="{02AC24A9-CCB6-4F8D-B8DB-C2F3692CFA5A}" type="datetimeFigureOut">
               <a:rPr lang="en-US" smtClean="0"/>
-              <a:t>8/2/22</a:t>
+              <a:t>9/13/22</a:t>
             </a:fld>
             <a:endParaRPr lang="en-US"/>
           </a:p>
@@ -1363,7 +1525,7 @@
           <a:p>
             <a:fld id="{02AC24A9-CCB6-4F8D-B8DB-C2F3692CFA5A}" type="datetimeFigureOut">
               <a:rPr lang="en-US" smtClean="0"/>
-              <a:t>8/2/22</a:t>
+              <a:t>9/13/22</a:t>
             </a:fld>
             <a:endParaRPr lang="en-US"/>
           </a:p>
@@ -1817,7 +1979,7 @@
           <a:p>
             <a:fld id="{02AC24A9-CCB6-4F8D-B8DB-C2F3692CFA5A}" type="datetimeFigureOut">
               <a:rPr lang="en-US" smtClean="0"/>
-              <a:t>8/2/22</a:t>
+              <a:t>9/13/22</a:t>
             </a:fld>
             <a:endParaRPr lang="en-US"/>
           </a:p>
@@ -2349,7 +2511,7 @@
           <a:p>
             <a:fld id="{02AC24A9-CCB6-4F8D-B8DB-C2F3692CFA5A}" type="datetimeFigureOut">
               <a:rPr lang="en-US" smtClean="0"/>
-              <a:t>8/2/22</a:t>
+              <a:t>9/13/22</a:t>
             </a:fld>
             <a:endParaRPr lang="en-US"/>
           </a:p>
@@ -3048,7 +3210,7 @@
           <a:p>
             <a:fld id="{02AC24A9-CCB6-4F8D-B8DB-C2F3692CFA5A}" type="datetimeFigureOut">
               <a:rPr lang="en-US" smtClean="0"/>
-              <a:t>8/2/22</a:t>
+              <a:t>9/13/22</a:t>
             </a:fld>
             <a:endParaRPr lang="en-US"/>
           </a:p>
@@ -3377,7 +3539,7 @@
           <a:p>
             <a:fld id="{02AC24A9-CCB6-4F8D-B8DB-C2F3692CFA5A}" type="datetimeFigureOut">
               <a:rPr lang="en-US" smtClean="0"/>
-              <a:t>8/2/22</a:t>
+              <a:t>9/13/22</a:t>
             </a:fld>
             <a:endParaRPr lang="en-US"/>
           </a:p>
@@ -3490,7 +3652,7 @@
           <a:p>
             <a:fld id="{02AC24A9-CCB6-4F8D-B8DB-C2F3692CFA5A}" type="datetimeFigureOut">
               <a:rPr lang="en-US" smtClean="0"/>
-              <a:t>8/2/22</a:t>
+              <a:t>9/13/22</a:t>
             </a:fld>
             <a:endParaRPr lang="en-US"/>
           </a:p>
@@ -3985,7 +4147,7 @@
           <a:p>
             <a:fld id="{02AC24A9-CCB6-4F8D-B8DB-C2F3692CFA5A}" type="datetimeFigureOut">
               <a:rPr lang="en-US" smtClean="0"/>
-              <a:t>8/2/22</a:t>
+              <a:t>9/13/22</a:t>
             </a:fld>
             <a:endParaRPr lang="en-US" dirty="0"/>
           </a:p>
@@ -4462,7 +4624,7 @@
           <a:p>
             <a:fld id="{02AC24A9-CCB6-4F8D-B8DB-C2F3692CFA5A}" type="datetimeFigureOut">
               <a:rPr lang="en-US" smtClean="0"/>
-              <a:t>8/2/22</a:t>
+              <a:t>9/13/22</a:t>
             </a:fld>
             <a:endParaRPr lang="en-US"/>
           </a:p>
@@ -4705,7 +4867,7 @@
           <a:p>
             <a:fld id="{02AC24A9-CCB6-4F8D-B8DB-C2F3692CFA5A}" type="datetimeFigureOut">
               <a:rPr lang="en-US" smtClean="0"/>
-              <a:t>8/2/22</a:t>
+              <a:t>9/13/22</a:t>
             </a:fld>
             <a:endParaRPr lang="en-US"/>
           </a:p>
@@ -7643,7 +7805,7 @@
           <a:p>
             <a:r>
               <a:rPr lang="en-US" sz="2800" dirty="0"/>
-              <a:t>Union: Join two subsets into a single subset. First check if two subsets belong to the same set, if they don’t, then we cannot perform union</a:t>
+              <a:t>Union: Join two subsets into a single subset. First check if two subsets belong to the same set, if they don’t, then we can perform union</a:t>
             </a:r>
           </a:p>
           <a:p>
@@ -7723,7 +7885,7 @@
                 <a:ea typeface="+mn-ea"/>
                 <a:cs typeface="+mn-cs"/>
               </a:rPr>
-              <a:t>- Union(1, 2), Union(3, 4), Union(1, 3)</a:t>
+              <a:t>- Union(1, 2), Union(3, 4), Union(2, 4)</a:t>
             </a:r>
             <a:br>
               <a:rPr lang="en-US" sz="2800" dirty="0">
@@ -7788,6 +7950,57 @@
           </a:prstGeom>
         </p:spPr>
       </p:pic>
+      <mc:AlternateContent xmlns:mc="http://schemas.openxmlformats.org/markup-compatibility/2006">
+        <mc:Choice xmlns:p14="http://schemas.microsoft.com/office/powerpoint/2010/main" Requires="p14">
+          <p:contentPart p14:bwMode="auto" r:id="rId3">
+            <p14:nvContentPartPr>
+              <p14:cNvPr id="3" name="Ink 2">
+                <a:extLst>
+                  <a:ext uri="{FF2B5EF4-FFF2-40B4-BE49-F238E27FC236}">
+                    <a16:creationId xmlns:a16="http://schemas.microsoft.com/office/drawing/2014/main" id="{5888E04C-9EE3-404B-9392-226DD61E39B6}"/>
+                  </a:ext>
+                </a:extLst>
+              </p14:cNvPr>
+              <p14:cNvContentPartPr/>
+              <p14:nvPr/>
+            </p14:nvContentPartPr>
+            <p14:xfrm>
+              <a:off x="538920" y="2642400"/>
+              <a:ext cx="2603160" cy="185040"/>
+            </p14:xfrm>
+          </p:contentPart>
+        </mc:Choice>
+        <mc:Fallback>
+          <p:pic>
+            <p:nvPicPr>
+              <p:cNvPr id="3" name="Ink 2">
+                <a:extLst>
+                  <a:ext uri="{FF2B5EF4-FFF2-40B4-BE49-F238E27FC236}">
+                    <a16:creationId xmlns:a16="http://schemas.microsoft.com/office/drawing/2014/main" id="{5888E04C-9EE3-404B-9392-226DD61E39B6}"/>
+                  </a:ext>
+                </a:extLst>
+              </p:cNvPr>
+              <p:cNvPicPr/>
+              <p:nvPr/>
+            </p:nvPicPr>
+            <p:blipFill>
+              <a:blip r:embed="rId4"/>
+              <a:stretch>
+                <a:fillRect/>
+              </a:stretch>
+            </p:blipFill>
+            <p:spPr>
+              <a:xfrm>
+                <a:off x="529560" y="2633040"/>
+                <a:ext cx="2621880" cy="203760"/>
+              </a:xfrm>
+              <a:prstGeom prst="rect">
+                <a:avLst/>
+              </a:prstGeom>
+            </p:spPr>
+          </p:pic>
+        </mc:Fallback>
+      </mc:AlternateContent>
     </p:spTree>
     <p:extLst>
       <p:ext uri="{BB962C8B-B14F-4D97-AF65-F5344CB8AC3E}">
@@ -8055,7 +8268,7 @@
             </a:pPr>
             <a:r>
               <a:rPr lang="en-US" sz="2800" dirty="0"/>
-              <a:t>0	1	2</a:t>
+              <a:t>-1	-1	-1</a:t>
             </a:r>
           </a:p>
         </p:txBody>
@@ -8792,6 +9005,57 @@
           </a:prstGeom>
         </p:spPr>
       </p:pic>
+      <mc:AlternateContent xmlns:mc="http://schemas.openxmlformats.org/markup-compatibility/2006">
+        <mc:Choice xmlns:p14="http://schemas.microsoft.com/office/powerpoint/2010/main" Requires="p14">
+          <p:contentPart p14:bwMode="auto" r:id="rId3">
+            <p14:nvContentPartPr>
+              <p14:cNvPr id="5" name="Ink 4">
+                <a:extLst>
+                  <a:ext uri="{FF2B5EF4-FFF2-40B4-BE49-F238E27FC236}">
+                    <a16:creationId xmlns:a16="http://schemas.microsoft.com/office/drawing/2014/main" id="{B8A46277-0347-194C-ABED-B7BC08D4D47B}"/>
+                  </a:ext>
+                </a:extLst>
+              </p14:cNvPr>
+              <p14:cNvContentPartPr/>
+              <p14:nvPr/>
+            </p14:nvContentPartPr>
+            <p14:xfrm>
+              <a:off x="6479280" y="1700640"/>
+              <a:ext cx="4845600" cy="3904920"/>
+            </p14:xfrm>
+          </p:contentPart>
+        </mc:Choice>
+        <mc:Fallback>
+          <p:pic>
+            <p:nvPicPr>
+              <p:cNvPr id="5" name="Ink 4">
+                <a:extLst>
+                  <a:ext uri="{FF2B5EF4-FFF2-40B4-BE49-F238E27FC236}">
+                    <a16:creationId xmlns:a16="http://schemas.microsoft.com/office/drawing/2014/main" id="{B8A46277-0347-194C-ABED-B7BC08D4D47B}"/>
+                  </a:ext>
+                </a:extLst>
+              </p:cNvPr>
+              <p:cNvPicPr/>
+              <p:nvPr/>
+            </p:nvPicPr>
+            <p:blipFill>
+              <a:blip r:embed="rId4"/>
+              <a:stretch>
+                <a:fillRect/>
+              </a:stretch>
+            </p:blipFill>
+            <p:spPr>
+              <a:xfrm>
+                <a:off x="6469920" y="1691280"/>
+                <a:ext cx="4864320" cy="3923640"/>
+              </a:xfrm>
+              <a:prstGeom prst="rect">
+                <a:avLst/>
+              </a:prstGeom>
+            </p:spPr>
+          </p:pic>
+        </mc:Fallback>
+      </mc:AlternateContent>
     </p:spTree>
     <p:extLst>
       <p:ext uri="{BB962C8B-B14F-4D97-AF65-F5344CB8AC3E}">
@@ -10918,6 +11182,159 @@
           </a:prstGeom>
         </p:spPr>
       </p:pic>
+      <mc:AlternateContent xmlns:mc="http://schemas.openxmlformats.org/markup-compatibility/2006" xmlns:p14="http://schemas.microsoft.com/office/powerpoint/2010/main">
+        <mc:Choice Requires="p14">
+          <p:contentPart p14:bwMode="auto" r:id="rId4">
+            <p14:nvContentPartPr>
+              <p14:cNvPr id="4" name="Ink 3">
+                <a:extLst>
+                  <a:ext uri="{FF2B5EF4-FFF2-40B4-BE49-F238E27FC236}">
+                    <a16:creationId xmlns:a16="http://schemas.microsoft.com/office/drawing/2014/main" id="{C5C11D25-7656-1145-AF21-CA7EA051EE9F}"/>
+                  </a:ext>
+                </a:extLst>
+              </p14:cNvPr>
+              <p14:cNvContentPartPr/>
+              <p14:nvPr/>
+            </p14:nvContentPartPr>
+            <p14:xfrm>
+              <a:off x="1751400" y="651960"/>
+              <a:ext cx="1365480" cy="1383840"/>
+            </p14:xfrm>
+          </p:contentPart>
+        </mc:Choice>
+        <mc:Fallback xmlns="">
+          <p:pic>
+            <p:nvPicPr>
+              <p:cNvPr id="4" name="Ink 3">
+                <a:extLst>
+                  <a:ext uri="{FF2B5EF4-FFF2-40B4-BE49-F238E27FC236}">
+                    <a16:creationId xmlns:a16="http://schemas.microsoft.com/office/drawing/2014/main" id="{C5C11D25-7656-1145-AF21-CA7EA051EE9F}"/>
+                  </a:ext>
+                </a:extLst>
+              </p:cNvPr>
+              <p:cNvPicPr/>
+              <p:nvPr/>
+            </p:nvPicPr>
+            <p:blipFill>
+              <a:blip r:embed="rId5"/>
+              <a:stretch>
+                <a:fillRect/>
+              </a:stretch>
+            </p:blipFill>
+            <p:spPr>
+              <a:xfrm>
+                <a:off x="1742040" y="642600"/>
+                <a:ext cx="1384200" cy="1402560"/>
+              </a:xfrm>
+              <a:prstGeom prst="rect">
+                <a:avLst/>
+              </a:prstGeom>
+            </p:spPr>
+          </p:pic>
+        </mc:Fallback>
+      </mc:AlternateContent>
+      <mc:AlternateContent xmlns:mc="http://schemas.openxmlformats.org/markup-compatibility/2006" xmlns:p14="http://schemas.microsoft.com/office/powerpoint/2010/main">
+        <mc:Choice Requires="p14">
+          <p:contentPart p14:bwMode="auto" r:id="rId6">
+            <p14:nvContentPartPr>
+              <p14:cNvPr id="5" name="Ink 4">
+                <a:extLst>
+                  <a:ext uri="{FF2B5EF4-FFF2-40B4-BE49-F238E27FC236}">
+                    <a16:creationId xmlns:a16="http://schemas.microsoft.com/office/drawing/2014/main" id="{BF84FDBB-CE34-4648-AE08-347B204C3362}"/>
+                  </a:ext>
+                </a:extLst>
+              </p14:cNvPr>
+              <p14:cNvContentPartPr/>
+              <p14:nvPr/>
+            </p14:nvContentPartPr>
+            <p14:xfrm>
+              <a:off x="1754280" y="630360"/>
+              <a:ext cx="101880" cy="1469520"/>
+            </p14:xfrm>
+          </p:contentPart>
+        </mc:Choice>
+        <mc:Fallback xmlns="">
+          <p:pic>
+            <p:nvPicPr>
+              <p:cNvPr id="5" name="Ink 4">
+                <a:extLst>
+                  <a:ext uri="{FF2B5EF4-FFF2-40B4-BE49-F238E27FC236}">
+                    <a16:creationId xmlns:a16="http://schemas.microsoft.com/office/drawing/2014/main" id="{BF84FDBB-CE34-4648-AE08-347B204C3362}"/>
+                  </a:ext>
+                </a:extLst>
+              </p:cNvPr>
+              <p:cNvPicPr/>
+              <p:nvPr/>
+            </p:nvPicPr>
+            <p:blipFill>
+              <a:blip r:embed="rId7"/>
+              <a:stretch>
+                <a:fillRect/>
+              </a:stretch>
+            </p:blipFill>
+            <p:spPr>
+              <a:xfrm>
+                <a:off x="1744920" y="621000"/>
+                <a:ext cx="120600" cy="1488240"/>
+              </a:xfrm>
+              <a:prstGeom prst="rect">
+                <a:avLst/>
+              </a:prstGeom>
+            </p:spPr>
+          </p:pic>
+        </mc:Fallback>
+      </mc:AlternateContent>
+      <mc:AlternateContent xmlns:mc="http://schemas.openxmlformats.org/markup-compatibility/2006" xmlns:p14="http://schemas.microsoft.com/office/powerpoint/2010/main">
+        <mc:Choice Requires="p14">
+          <p:contentPart p14:bwMode="auto" r:id="rId8">
+            <p14:nvContentPartPr>
+              <p14:cNvPr id="6" name="Ink 5">
+                <a:extLst>
+                  <a:ext uri="{FF2B5EF4-FFF2-40B4-BE49-F238E27FC236}">
+                    <a16:creationId xmlns:a16="http://schemas.microsoft.com/office/drawing/2014/main" id="{AF0C924B-E06E-AD41-9BF4-1FF61995D3E7}"/>
+                  </a:ext>
+                </a:extLst>
+              </p14:cNvPr>
+              <p14:cNvContentPartPr/>
+              <p14:nvPr/>
+            </p14:nvContentPartPr>
+            <p14:xfrm>
+              <a:off x="4184640" y="641160"/>
+              <a:ext cx="1398600" cy="1483200"/>
+            </p14:xfrm>
+          </p:contentPart>
+        </mc:Choice>
+        <mc:Fallback xmlns="">
+          <p:pic>
+            <p:nvPicPr>
+              <p:cNvPr id="6" name="Ink 5">
+                <a:extLst>
+                  <a:ext uri="{FF2B5EF4-FFF2-40B4-BE49-F238E27FC236}">
+                    <a16:creationId xmlns:a16="http://schemas.microsoft.com/office/drawing/2014/main" id="{AF0C924B-E06E-AD41-9BF4-1FF61995D3E7}"/>
+                  </a:ext>
+                </a:extLst>
+              </p:cNvPr>
+              <p:cNvPicPr/>
+              <p:nvPr/>
+            </p:nvPicPr>
+            <p:blipFill>
+              <a:blip r:embed="rId9"/>
+              <a:stretch>
+                <a:fillRect/>
+              </a:stretch>
+            </p:blipFill>
+            <p:spPr>
+              <a:xfrm>
+                <a:off x="4175280" y="631800"/>
+                <a:ext cx="1417320" cy="1501920"/>
+              </a:xfrm>
+              <a:prstGeom prst="rect">
+                <a:avLst/>
+              </a:prstGeom>
+            </p:spPr>
+          </p:pic>
+        </mc:Fallback>
+      </mc:AlternateContent>
     </p:spTree>
     <p:extLst>
       <p:ext uri="{BB962C8B-B14F-4D97-AF65-F5344CB8AC3E}">
